--- a/Machine Learning/Multiclass Classification and Neural Network/ex3.pptx
+++ b/Machine Learning/Multiclass Classification and Neural Network/ex3.pptx
@@ -17,6 +17,9 @@
     <p:sldId id="267" r:id="rId11"/>
     <p:sldId id="265" r:id="rId12"/>
     <p:sldId id="266" r:id="rId13"/>
+    <p:sldId id="269" r:id="rId14"/>
+    <p:sldId id="268" r:id="rId15"/>
+    <p:sldId id="270" r:id="rId16"/>
   </p:sldIdLst>
   <p:sldSz cx="12192000" cy="6858000"/>
   <p:notesSz cx="6858000" cy="9144000"/>
@@ -115,6 +118,11 @@
       </a:defRPr>
     </a:lvl9pPr>
   </p:defaultTextStyle>
+  <p:extLst>
+    <p:ext uri="{EFAFB233-063F-42B5-8137-9DF3F51BA10A}">
+      <p15:sldGuideLst xmlns:p15="http://schemas.microsoft.com/office/powerpoint/2012/main"/>
+    </p:ext>
+  </p:extLst>
 </p:presentation>
 </file>
 
@@ -297,7 +305,7 @@
           <a:p>
             <a:fld id="{14AB5C29-7A43-41A8-B94B-F423901816FF}" type="datetimeFigureOut">
               <a:rPr lang="en-MY" smtClean="0"/>
-              <a:t>24/10/2018</a:t>
+              <a:t>1/11/2018</a:t>
             </a:fld>
             <a:endParaRPr lang="en-MY"/>
           </a:p>
@@ -497,7 +505,7 @@
           <a:p>
             <a:fld id="{14AB5C29-7A43-41A8-B94B-F423901816FF}" type="datetimeFigureOut">
               <a:rPr lang="en-MY" smtClean="0"/>
-              <a:t>24/10/2018</a:t>
+              <a:t>1/11/2018</a:t>
             </a:fld>
             <a:endParaRPr lang="en-MY"/>
           </a:p>
@@ -707,7 +715,7 @@
           <a:p>
             <a:fld id="{14AB5C29-7A43-41A8-B94B-F423901816FF}" type="datetimeFigureOut">
               <a:rPr lang="en-MY" smtClean="0"/>
-              <a:t>24/10/2018</a:t>
+              <a:t>1/11/2018</a:t>
             </a:fld>
             <a:endParaRPr lang="en-MY"/>
           </a:p>
@@ -907,7 +915,7 @@
           <a:p>
             <a:fld id="{14AB5C29-7A43-41A8-B94B-F423901816FF}" type="datetimeFigureOut">
               <a:rPr lang="en-MY" smtClean="0"/>
-              <a:t>24/10/2018</a:t>
+              <a:t>1/11/2018</a:t>
             </a:fld>
             <a:endParaRPr lang="en-MY"/>
           </a:p>
@@ -1183,7 +1191,7 @@
           <a:p>
             <a:fld id="{14AB5C29-7A43-41A8-B94B-F423901816FF}" type="datetimeFigureOut">
               <a:rPr lang="en-MY" smtClean="0"/>
-              <a:t>24/10/2018</a:t>
+              <a:t>1/11/2018</a:t>
             </a:fld>
             <a:endParaRPr lang="en-MY"/>
           </a:p>
@@ -1451,7 +1459,7 @@
           <a:p>
             <a:fld id="{14AB5C29-7A43-41A8-B94B-F423901816FF}" type="datetimeFigureOut">
               <a:rPr lang="en-MY" smtClean="0"/>
-              <a:t>24/10/2018</a:t>
+              <a:t>1/11/2018</a:t>
             </a:fld>
             <a:endParaRPr lang="en-MY"/>
           </a:p>
@@ -1866,7 +1874,7 @@
           <a:p>
             <a:fld id="{14AB5C29-7A43-41A8-B94B-F423901816FF}" type="datetimeFigureOut">
               <a:rPr lang="en-MY" smtClean="0"/>
-              <a:t>24/10/2018</a:t>
+              <a:t>1/11/2018</a:t>
             </a:fld>
             <a:endParaRPr lang="en-MY"/>
           </a:p>
@@ -2008,7 +2016,7 @@
           <a:p>
             <a:fld id="{14AB5C29-7A43-41A8-B94B-F423901816FF}" type="datetimeFigureOut">
               <a:rPr lang="en-MY" smtClean="0"/>
-              <a:t>24/10/2018</a:t>
+              <a:t>1/11/2018</a:t>
             </a:fld>
             <a:endParaRPr lang="en-MY"/>
           </a:p>
@@ -2121,7 +2129,7 @@
           <a:p>
             <a:fld id="{14AB5C29-7A43-41A8-B94B-F423901816FF}" type="datetimeFigureOut">
               <a:rPr lang="en-MY" smtClean="0"/>
-              <a:t>24/10/2018</a:t>
+              <a:t>1/11/2018</a:t>
             </a:fld>
             <a:endParaRPr lang="en-MY"/>
           </a:p>
@@ -2434,7 +2442,7 @@
           <a:p>
             <a:fld id="{14AB5C29-7A43-41A8-B94B-F423901816FF}" type="datetimeFigureOut">
               <a:rPr lang="en-MY" smtClean="0"/>
-              <a:t>24/10/2018</a:t>
+              <a:t>1/11/2018</a:t>
             </a:fld>
             <a:endParaRPr lang="en-MY"/>
           </a:p>
@@ -2723,7 +2731,7 @@
           <a:p>
             <a:fld id="{14AB5C29-7A43-41A8-B94B-F423901816FF}" type="datetimeFigureOut">
               <a:rPr lang="en-MY" smtClean="0"/>
-              <a:t>24/10/2018</a:t>
+              <a:t>1/11/2018</a:t>
             </a:fld>
             <a:endParaRPr lang="en-MY"/>
           </a:p>
@@ -2966,7 +2974,7 @@
           <a:p>
             <a:fld id="{14AB5C29-7A43-41A8-B94B-F423901816FF}" type="datetimeFigureOut">
               <a:rPr lang="en-MY" smtClean="0"/>
-              <a:t>24/10/2018</a:t>
+              <a:t>1/11/2018</a:t>
             </a:fld>
             <a:endParaRPr lang="en-MY"/>
           </a:p>
@@ -3712,10 +3720,10 @@
       </p:sp>
       <p:pic>
         <p:nvPicPr>
-          <p:cNvPr id="4" name="Picture 3">
-            <a:extLst>
-              <a:ext uri="{FF2B5EF4-FFF2-40B4-BE49-F238E27FC236}">
-                <a16:creationId xmlns:a16="http://schemas.microsoft.com/office/drawing/2014/main" id="{47B61A29-1EAC-422C-BD23-BA632A1D52FD}"/>
+          <p:cNvPr id="5" name="Picture 4">
+            <a:extLst>
+              <a:ext uri="{FF2B5EF4-FFF2-40B4-BE49-F238E27FC236}">
+                <a16:creationId xmlns:a16="http://schemas.microsoft.com/office/drawing/2014/main" id="{341CDCCE-64E0-4A7F-B044-7FCFB3B06912}"/>
               </a:ext>
             </a:extLst>
           </p:cNvPr>
@@ -3732,8 +3740,38 @@
         </p:blipFill>
         <p:spPr>
           <a:xfrm>
-            <a:off x="838200" y="2292248"/>
-            <a:ext cx="9781943" cy="1600244"/>
+            <a:off x="827190" y="2870432"/>
+            <a:ext cx="10526610" cy="1651233"/>
+          </a:xfrm>
+          <a:prstGeom prst="rect">
+            <a:avLst/>
+          </a:prstGeom>
+        </p:spPr>
+      </p:pic>
+      <p:pic>
+        <p:nvPicPr>
+          <p:cNvPr id="7" name="Picture 6">
+            <a:extLst>
+              <a:ext uri="{FF2B5EF4-FFF2-40B4-BE49-F238E27FC236}">
+                <a16:creationId xmlns:a16="http://schemas.microsoft.com/office/drawing/2014/main" id="{BB30C54C-2DB9-461A-A520-DC341003AC1C}"/>
+              </a:ext>
+            </a:extLst>
+          </p:cNvPr>
+          <p:cNvPicPr>
+            <a:picLocks noChangeAspect="1"/>
+          </p:cNvPicPr>
+          <p:nvPr/>
+        </p:nvPicPr>
+        <p:blipFill>
+          <a:blip r:embed="rId3"/>
+          <a:stretch>
+            <a:fillRect/>
+          </a:stretch>
+        </p:blipFill>
+        <p:spPr>
+          <a:xfrm>
+            <a:off x="838200" y="2252305"/>
+            <a:ext cx="2307672" cy="618127"/>
           </a:xfrm>
           <a:prstGeom prst="rect">
             <a:avLst/>
@@ -3834,6 +3872,333 @@
     <p:extLst>
       <p:ext uri="{BB962C8B-B14F-4D97-AF65-F5344CB8AC3E}">
         <p14:creationId xmlns:p14="http://schemas.microsoft.com/office/powerpoint/2010/main" val="3445703483"/>
+      </p:ext>
+    </p:extLst>
+  </p:cSld>
+  <p:clrMapOvr>
+    <a:masterClrMapping/>
+  </p:clrMapOvr>
+</p:sld>
+</file>
+
+<file path=ppt/slides/slide13.xml><?xml version="1.0" encoding="utf-8"?>
+<p:sld xmlns:a="http://schemas.openxmlformats.org/drawingml/2006/main" xmlns:r="http://schemas.openxmlformats.org/officeDocument/2006/relationships" xmlns:p="http://schemas.openxmlformats.org/presentationml/2006/main">
+  <p:cSld>
+    <p:spTree>
+      <p:nvGrpSpPr>
+        <p:cNvPr id="1" name=""/>
+        <p:cNvGrpSpPr/>
+        <p:nvPr/>
+      </p:nvGrpSpPr>
+      <p:grpSpPr>
+        <a:xfrm>
+          <a:off x="0" y="0"/>
+          <a:ext cx="0" cy="0"/>
+          <a:chOff x="0" y="0"/>
+          <a:chExt cx="0" cy="0"/>
+        </a:xfrm>
+      </p:grpSpPr>
+      <p:sp>
+        <p:nvSpPr>
+          <p:cNvPr id="2" name="Title 1"/>
+          <p:cNvSpPr>
+            <a:spLocks noGrp="1"/>
+          </p:cNvSpPr>
+          <p:nvPr>
+            <p:ph type="title"/>
+          </p:nvPr>
+        </p:nvSpPr>
+        <p:spPr/>
+        <p:txBody>
+          <a:bodyPr>
+            <a:normAutofit fontScale="90000"/>
+          </a:bodyPr>
+          <a:lstStyle/>
+          <a:p>
+            <a:r>
+              <a:rPr lang="en-US" dirty="0"/>
+              <a:t>Question 2: Implement feedforward propagation algorithm for learning the neural network parameter </a:t>
+            </a:r>
+          </a:p>
+        </p:txBody>
+      </p:sp>
+      <p:sp>
+        <p:nvSpPr>
+          <p:cNvPr id="3" name="Text Placeholder 2"/>
+          <p:cNvSpPr>
+            <a:spLocks noGrp="1"/>
+          </p:cNvSpPr>
+          <p:nvPr>
+            <p:ph type="body" idx="1"/>
+          </p:nvPr>
+        </p:nvSpPr>
+        <p:spPr/>
+        <p:txBody>
+          <a:bodyPr/>
+          <a:lstStyle/>
+          <a:p>
+            <a:r>
+              <a:rPr lang="en-US" dirty="0"/>
+              <a:t>Answer are in python code (as converted from example octave codes provided in Andrew Ng’s course assignment)</a:t>
+            </a:r>
+          </a:p>
+        </p:txBody>
+      </p:sp>
+    </p:spTree>
+    <p:extLst>
+      <p:ext uri="{BB962C8B-B14F-4D97-AF65-F5344CB8AC3E}">
+        <p14:creationId xmlns:p14="http://schemas.microsoft.com/office/powerpoint/2010/main" val="390762987"/>
+      </p:ext>
+    </p:extLst>
+  </p:cSld>
+  <p:clrMapOvr>
+    <a:masterClrMapping/>
+  </p:clrMapOvr>
+</p:sld>
+</file>
+
+<file path=ppt/slides/slide14.xml><?xml version="1.0" encoding="utf-8"?>
+<p:sld xmlns:a="http://schemas.openxmlformats.org/drawingml/2006/main" xmlns:r="http://schemas.openxmlformats.org/officeDocument/2006/relationships" xmlns:p="http://schemas.openxmlformats.org/presentationml/2006/main">
+  <p:cSld>
+    <p:spTree>
+      <p:nvGrpSpPr>
+        <p:cNvPr id="1" name=""/>
+        <p:cNvGrpSpPr/>
+        <p:nvPr/>
+      </p:nvGrpSpPr>
+      <p:grpSpPr>
+        <a:xfrm>
+          <a:off x="0" y="0"/>
+          <a:ext cx="0" cy="0"/>
+          <a:chOff x="0" y="0"/>
+          <a:chExt cx="0" cy="0"/>
+        </a:xfrm>
+      </p:grpSpPr>
+      <p:sp>
+        <p:nvSpPr>
+          <p:cNvPr id="2" name="Title 1"/>
+          <p:cNvSpPr>
+            <a:spLocks noGrp="1"/>
+          </p:cNvSpPr>
+          <p:nvPr>
+            <p:ph type="title"/>
+          </p:nvPr>
+        </p:nvSpPr>
+        <p:spPr/>
+        <p:txBody>
+          <a:bodyPr/>
+          <a:lstStyle/>
+          <a:p>
+            <a:r>
+              <a:rPr lang="en-US" dirty="0"/>
+              <a:t>Model Representation</a:t>
+            </a:r>
+          </a:p>
+        </p:txBody>
+      </p:sp>
+      <p:sp>
+        <p:nvSpPr>
+          <p:cNvPr id="3" name="Content Placeholder 2"/>
+          <p:cNvSpPr>
+            <a:spLocks noGrp="1"/>
+          </p:cNvSpPr>
+          <p:nvPr>
+            <p:ph idx="1"/>
+          </p:nvPr>
+        </p:nvSpPr>
+        <p:spPr>
+          <a:xfrm>
+            <a:off x="838200" y="1825625"/>
+            <a:ext cx="5334000" cy="4351338"/>
+          </a:xfrm>
+        </p:spPr>
+        <p:txBody>
+          <a:bodyPr/>
+          <a:lstStyle/>
+          <a:p>
+            <a:r>
+              <a:rPr lang="en-US" dirty="0"/>
+              <a:t>L1 - 400, L2 - 25, L3 - 10</a:t>
+            </a:r>
+          </a:p>
+          <a:p>
+            <a:r>
+              <a:rPr lang="en-US" dirty="0"/>
+              <a:t>400 input layer units (20 x 20 image) </a:t>
+            </a:r>
+          </a:p>
+          <a:p>
+            <a:r>
+              <a:rPr lang="en-US" dirty="0"/>
+              <a:t>Theta1 and 2 are trained </a:t>
+            </a:r>
+          </a:p>
+          <a:p>
+            <a:r>
+              <a:rPr lang="en-US" dirty="0"/>
+              <a:t>Theta1: 25 x 401</a:t>
+            </a:r>
+          </a:p>
+          <a:p>
+            <a:r>
+              <a:rPr lang="en-US" dirty="0"/>
+              <a:t>Theta2: 10 x 26 </a:t>
+            </a:r>
+          </a:p>
+        </p:txBody>
+      </p:sp>
+      <p:pic>
+        <p:nvPicPr>
+          <p:cNvPr id="4" name="Picture 3"/>
+          <p:cNvPicPr>
+            <a:picLocks noChangeAspect="1"/>
+          </p:cNvPicPr>
+          <p:nvPr/>
+        </p:nvPicPr>
+        <p:blipFill>
+          <a:blip r:embed="rId2"/>
+          <a:stretch>
+            <a:fillRect/>
+          </a:stretch>
+        </p:blipFill>
+        <p:spPr>
+          <a:xfrm>
+            <a:off x="6416040" y="1625417"/>
+            <a:ext cx="5455024" cy="4551546"/>
+          </a:xfrm>
+          <a:prstGeom prst="rect">
+            <a:avLst/>
+          </a:prstGeom>
+        </p:spPr>
+      </p:pic>
+    </p:spTree>
+    <p:extLst>
+      <p:ext uri="{BB962C8B-B14F-4D97-AF65-F5344CB8AC3E}">
+        <p14:creationId xmlns:p14="http://schemas.microsoft.com/office/powerpoint/2010/main" val="3782334830"/>
+      </p:ext>
+    </p:extLst>
+  </p:cSld>
+  <p:clrMapOvr>
+    <a:masterClrMapping/>
+  </p:clrMapOvr>
+</p:sld>
+</file>
+
+<file path=ppt/slides/slide15.xml><?xml version="1.0" encoding="utf-8"?>
+<p:sld xmlns:a="http://schemas.openxmlformats.org/drawingml/2006/main" xmlns:r="http://schemas.openxmlformats.org/officeDocument/2006/relationships" xmlns:p="http://schemas.openxmlformats.org/presentationml/2006/main">
+  <p:cSld>
+    <p:spTree>
+      <p:nvGrpSpPr>
+        <p:cNvPr id="1" name=""/>
+        <p:cNvGrpSpPr/>
+        <p:nvPr/>
+      </p:nvGrpSpPr>
+      <p:grpSpPr>
+        <a:xfrm>
+          <a:off x="0" y="0"/>
+          <a:ext cx="0" cy="0"/>
+          <a:chOff x="0" y="0"/>
+          <a:chExt cx="0" cy="0"/>
+        </a:xfrm>
+      </p:grpSpPr>
+      <p:sp>
+        <p:nvSpPr>
+          <p:cNvPr id="2" name="Title 1"/>
+          <p:cNvSpPr>
+            <a:spLocks noGrp="1"/>
+          </p:cNvSpPr>
+          <p:nvPr>
+            <p:ph type="title"/>
+          </p:nvPr>
+        </p:nvSpPr>
+        <p:spPr/>
+        <p:txBody>
+          <a:bodyPr/>
+          <a:lstStyle/>
+          <a:p>
+            <a:r>
+              <a:rPr lang="en-US" dirty="0"/>
+              <a:t>Feedforward Propagation of Prediction </a:t>
+            </a:r>
+          </a:p>
+        </p:txBody>
+      </p:sp>
+      <p:sp>
+        <p:nvSpPr>
+          <p:cNvPr id="3" name="Content Placeholder 2"/>
+          <p:cNvSpPr>
+            <a:spLocks noGrp="1"/>
+          </p:cNvSpPr>
+          <p:nvPr>
+            <p:ph idx="1"/>
+          </p:nvPr>
+        </p:nvSpPr>
+        <p:spPr>
+          <a:xfrm>
+            <a:off x="838200" y="1825625"/>
+            <a:ext cx="4846320" cy="4351338"/>
+          </a:xfrm>
+        </p:spPr>
+        <p:txBody>
+          <a:bodyPr/>
+          <a:lstStyle/>
+          <a:p>
+            <a:r>
+              <a:rPr lang="en-US" dirty="0"/>
+              <a:t>Compute h(X) of each example </a:t>
+            </a:r>
+          </a:p>
+          <a:p>
+            <a:r>
+              <a:rPr lang="en-US" dirty="0"/>
+              <a:t>Compare to label, 1 = correct, 0 = wrong</a:t>
+            </a:r>
+          </a:p>
+          <a:p>
+            <a:r>
+              <a:rPr lang="en-US" dirty="0"/>
+              <a:t>Accuracy = mean of </a:t>
+            </a:r>
+            <a:br>
+              <a:rPr lang="en-US" dirty="0"/>
+            </a:br>
+            <a:r>
+              <a:rPr lang="en-US" dirty="0"/>
+              <a:t>prediction </a:t>
+            </a:r>
+          </a:p>
+          <a:p>
+            <a:endParaRPr lang="en-US" dirty="0"/>
+          </a:p>
+        </p:txBody>
+      </p:sp>
+      <p:pic>
+        <p:nvPicPr>
+          <p:cNvPr id="5" name="Picture 4"/>
+          <p:cNvPicPr>
+            <a:picLocks noChangeAspect="1"/>
+          </p:cNvPicPr>
+          <p:nvPr/>
+        </p:nvPicPr>
+        <p:blipFill rotWithShape="1">
+          <a:blip r:embed="rId2"/>
+          <a:srcRect l="14619" t="16821"/>
+          <a:stretch/>
+        </p:blipFill>
+        <p:spPr>
+          <a:xfrm>
+            <a:off x="4191001" y="3601720"/>
+            <a:ext cx="7894320" cy="3256280"/>
+          </a:xfrm>
+          <a:prstGeom prst="rect">
+            <a:avLst/>
+          </a:prstGeom>
+        </p:spPr>
+      </p:pic>
+    </p:spTree>
+    <p:extLst>
+      <p:ext uri="{BB962C8B-B14F-4D97-AF65-F5344CB8AC3E}">
+        <p14:creationId xmlns:p14="http://schemas.microsoft.com/office/powerpoint/2010/main" val="912817691"/>
       </p:ext>
     </p:extLst>
   </p:cSld>
@@ -4182,8 +4547,8 @@
           </a:prstGeom>
         </p:spPr>
       </p:pic>
-      <mc:AlternateContent xmlns:mc="http://schemas.openxmlformats.org/markup-compatibility/2006">
-        <mc:Choice xmlns:p14="http://schemas.microsoft.com/office/powerpoint/2010/main" Requires="p14">
+      <mc:AlternateContent xmlns:mc="http://schemas.openxmlformats.org/markup-compatibility/2006" xmlns:p14="http://schemas.microsoft.com/office/powerpoint/2010/main">
+        <mc:Choice Requires="p14">
           <p:contentPart p14:bwMode="auto" r:id="rId5">
             <p14:nvContentPartPr>
               <p14:cNvPr id="8" name="Ink 7">
@@ -4202,7 +4567,7 @@
             </p14:xfrm>
           </p:contentPart>
         </mc:Choice>
-        <mc:Fallback>
+        <mc:Fallback xmlns="">
           <p:pic>
             <p:nvPicPr>
               <p:cNvPr id="8" name="Ink 7">
